--- a/2023/08/04/《经济学原理》微观经济学分册总结/微观.pptx
+++ b/2023/08/04/《经济学原理》微观经济学分册总结/微观.pptx
@@ -20092,7 +20092,7 @@
         </p:nvSpPr>
         <p:spPr>
           <a:xfrm>
-            <a:off x="8287285" y="4318017"/>
+            <a:off x="8287285" y="4365254"/>
             <a:ext cx="1134181" cy="307777"/>
           </a:xfrm>
           <a:prstGeom prst="rect">
